--- a/DMD presentation _final.pptx
+++ b/DMD presentation _final.pptx
@@ -11,9 +11,12 @@
     <p:sldId id="260" r:id="rId5"/>
     <p:sldId id="259" r:id="rId6"/>
     <p:sldId id="265" r:id="rId7"/>
-    <p:sldId id="269" r:id="rId8"/>
-    <p:sldId id="267" r:id="rId9"/>
-    <p:sldId id="270" r:id="rId10"/>
+    <p:sldId id="271" r:id="rId8"/>
+    <p:sldId id="269" r:id="rId9"/>
+    <p:sldId id="272" r:id="rId10"/>
+    <p:sldId id="267" r:id="rId11"/>
+    <p:sldId id="273" r:id="rId12"/>
+    <p:sldId id="270" r:id="rId13"/>
   </p:sldIdLst>
   <p:sldSz cx="12192000" cy="6858000"/>
   <p:notesSz cx="6858000" cy="9144000"/>
@@ -466,7 +469,7 @@
           <a:p>
             <a:fld id="{49951D39-9B41-425D-99B2-F4BA82CBAE0D}" type="datetimeFigureOut">
               <a:rPr lang="ru-RU" smtClean="0"/>
-              <a:t>22.11.2016</a:t>
+              <a:t>23.11.2016</a:t>
             </a:fld>
             <a:endParaRPr lang="ru-RU"/>
           </a:p>
@@ -1554,7 +1557,7 @@
           <a:p>
             <a:fld id="{49951D39-9B41-425D-99B2-F4BA82CBAE0D}" type="datetimeFigureOut">
               <a:rPr lang="ru-RU" smtClean="0"/>
-              <a:t>22.11.2016</a:t>
+              <a:t>23.11.2016</a:t>
             </a:fld>
             <a:endParaRPr lang="ru-RU"/>
           </a:p>
@@ -2534,7 +2537,7 @@
           <a:p>
             <a:fld id="{49951D39-9B41-425D-99B2-F4BA82CBAE0D}" type="datetimeFigureOut">
               <a:rPr lang="ru-RU" smtClean="0"/>
-              <a:t>22.11.2016</a:t>
+              <a:t>23.11.2016</a:t>
             </a:fld>
             <a:endParaRPr lang="ru-RU"/>
           </a:p>
@@ -3668,7 +3671,7 @@
           <a:p>
             <a:fld id="{49951D39-9B41-425D-99B2-F4BA82CBAE0D}" type="datetimeFigureOut">
               <a:rPr lang="ru-RU" smtClean="0"/>
-              <a:t>22.11.2016</a:t>
+              <a:t>23.11.2016</a:t>
             </a:fld>
             <a:endParaRPr lang="ru-RU"/>
           </a:p>
@@ -4701,7 +4704,7 @@
           <a:p>
             <a:fld id="{49951D39-9B41-425D-99B2-F4BA82CBAE0D}" type="datetimeFigureOut">
               <a:rPr lang="ru-RU" smtClean="0"/>
-              <a:t>22.11.2016</a:t>
+              <a:t>23.11.2016</a:t>
             </a:fld>
             <a:endParaRPr lang="ru-RU"/>
           </a:p>
@@ -5361,7 +5364,7 @@
           <a:p>
             <a:fld id="{49951D39-9B41-425D-99B2-F4BA82CBAE0D}" type="datetimeFigureOut">
               <a:rPr lang="ru-RU" smtClean="0"/>
-              <a:t>22.11.2016</a:t>
+              <a:t>23.11.2016</a:t>
             </a:fld>
             <a:endParaRPr lang="ru-RU"/>
           </a:p>
@@ -6222,7 +6225,7 @@
           <a:p>
             <a:fld id="{49951D39-9B41-425D-99B2-F4BA82CBAE0D}" type="datetimeFigureOut">
               <a:rPr lang="ru-RU" smtClean="0"/>
-              <a:t>22.11.2016</a:t>
+              <a:t>23.11.2016</a:t>
             </a:fld>
             <a:endParaRPr lang="ru-RU"/>
           </a:p>
@@ -6412,7 +6415,7 @@
           <a:p>
             <a:fld id="{49951D39-9B41-425D-99B2-F4BA82CBAE0D}" type="datetimeFigureOut">
               <a:rPr lang="ru-RU" smtClean="0"/>
-              <a:t>22.11.2016</a:t>
+              <a:t>23.11.2016</a:t>
             </a:fld>
             <a:endParaRPr lang="ru-RU"/>
           </a:p>
@@ -7384,7 +7387,7 @@
           <a:p>
             <a:fld id="{49951D39-9B41-425D-99B2-F4BA82CBAE0D}" type="datetimeFigureOut">
               <a:rPr lang="ru-RU" smtClean="0"/>
-              <a:t>22.11.2016</a:t>
+              <a:t>23.11.2016</a:t>
             </a:fld>
             <a:endParaRPr lang="ru-RU"/>
           </a:p>
@@ -7595,7 +7598,7 @@
           <a:p>
             <a:fld id="{49951D39-9B41-425D-99B2-F4BA82CBAE0D}" type="datetimeFigureOut">
               <a:rPr lang="ru-RU" smtClean="0"/>
-              <a:t>22.11.2016</a:t>
+              <a:t>23.11.2016</a:t>
             </a:fld>
             <a:endParaRPr lang="ru-RU"/>
           </a:p>
@@ -8629,7 +8632,7 @@
           <a:p>
             <a:fld id="{49951D39-9B41-425D-99B2-F4BA82CBAE0D}" type="datetimeFigureOut">
               <a:rPr lang="ru-RU" smtClean="0"/>
-              <a:t>22.11.2016</a:t>
+              <a:t>23.11.2016</a:t>
             </a:fld>
             <a:endParaRPr lang="ru-RU"/>
           </a:p>
@@ -8901,7 +8904,7 @@
           <a:p>
             <a:fld id="{49951D39-9B41-425D-99B2-F4BA82CBAE0D}" type="datetimeFigureOut">
               <a:rPr lang="ru-RU" smtClean="0"/>
-              <a:t>22.11.2016</a:t>
+              <a:t>23.11.2016</a:t>
             </a:fld>
             <a:endParaRPr lang="ru-RU"/>
           </a:p>
@@ -9311,7 +9314,7 @@
           <a:p>
             <a:fld id="{49951D39-9B41-425D-99B2-F4BA82CBAE0D}" type="datetimeFigureOut">
               <a:rPr lang="ru-RU" smtClean="0"/>
-              <a:t>22.11.2016</a:t>
+              <a:t>23.11.2016</a:t>
             </a:fld>
             <a:endParaRPr lang="ru-RU"/>
           </a:p>
@@ -9438,7 +9441,7 @@
           <a:p>
             <a:fld id="{49951D39-9B41-425D-99B2-F4BA82CBAE0D}" type="datetimeFigureOut">
               <a:rPr lang="ru-RU" smtClean="0"/>
-              <a:t>22.11.2016</a:t>
+              <a:t>23.11.2016</a:t>
             </a:fld>
             <a:endParaRPr lang="ru-RU"/>
           </a:p>
@@ -9533,7 +9536,7 @@
           <a:p>
             <a:fld id="{49951D39-9B41-425D-99B2-F4BA82CBAE0D}" type="datetimeFigureOut">
               <a:rPr lang="ru-RU" smtClean="0"/>
-              <a:t>22.11.2016</a:t>
+              <a:t>23.11.2016</a:t>
             </a:fld>
             <a:endParaRPr lang="ru-RU"/>
           </a:p>
@@ -10614,7 +10617,7 @@
           <a:p>
             <a:fld id="{49951D39-9B41-425D-99B2-F4BA82CBAE0D}" type="datetimeFigureOut">
               <a:rPr lang="ru-RU" smtClean="0"/>
-              <a:t>22.11.2016</a:t>
+              <a:t>23.11.2016</a:t>
             </a:fld>
             <a:endParaRPr lang="ru-RU"/>
           </a:p>
@@ -11722,7 +11725,7 @@
           <a:p>
             <a:fld id="{49951D39-9B41-425D-99B2-F4BA82CBAE0D}" type="datetimeFigureOut">
               <a:rPr lang="ru-RU" smtClean="0"/>
-              <a:t>22.11.2016</a:t>
+              <a:t>23.11.2016</a:t>
             </a:fld>
             <a:endParaRPr lang="ru-RU"/>
           </a:p>
@@ -12719,7 +12722,7 @@
           <a:p>
             <a:fld id="{49951D39-9B41-425D-99B2-F4BA82CBAE0D}" type="datetimeFigureOut">
               <a:rPr lang="ru-RU" smtClean="0"/>
-              <a:t>22.11.2016</a:t>
+              <a:t>23.11.2016</a:t>
             </a:fld>
             <a:endParaRPr lang="ru-RU"/>
           </a:p>
@@ -13669,6 +13672,245 @@
 </p:sld>
 </file>
 
+<file path=ppt/slides/slide10.xml><?xml version="1.0" encoding="utf-8"?>
+<p:sld xmlns:a="http://schemas.openxmlformats.org/drawingml/2006/main" xmlns:r="http://schemas.openxmlformats.org/officeDocument/2006/relationships" xmlns:p="http://schemas.openxmlformats.org/presentationml/2006/main">
+  <p:cSld>
+    <p:spTree>
+      <p:nvGrpSpPr>
+        <p:cNvPr id="1" name=""/>
+        <p:cNvGrpSpPr/>
+        <p:nvPr/>
+      </p:nvGrpSpPr>
+      <p:grpSpPr>
+        <a:xfrm>
+          <a:off x="0" y="0"/>
+          <a:ext cx="0" cy="0"/>
+          <a:chOff x="0" y="0"/>
+          <a:chExt cx="0" cy="0"/>
+        </a:xfrm>
+      </p:grpSpPr>
+      <p:pic>
+        <p:nvPicPr>
+          <p:cNvPr id="2" name="Рисунок 1"/>
+          <p:cNvPicPr>
+            <a:picLocks noChangeAspect="1"/>
+          </p:cNvPicPr>
+          <p:nvPr/>
+        </p:nvPicPr>
+        <p:blipFill>
+          <a:blip r:embed="rId2">
+            <a:extLst>
+              <a:ext uri="{28A0092B-C50C-407E-A947-70E740481C1C}">
+                <a14:useLocalDpi xmlns:a14="http://schemas.microsoft.com/office/drawing/2010/main" val="0"/>
+              </a:ext>
+            </a:extLst>
+          </a:blip>
+          <a:stretch>
+            <a:fillRect/>
+          </a:stretch>
+        </p:blipFill>
+        <p:spPr>
+          <a:xfrm>
+            <a:off x="0" y="0"/>
+            <a:ext cx="9272336" cy="5379210"/>
+          </a:xfrm>
+          <a:prstGeom prst="rect">
+            <a:avLst/>
+          </a:prstGeom>
+        </p:spPr>
+      </p:pic>
+      <p:sp>
+        <p:nvSpPr>
+          <p:cNvPr id="3" name="TextBox 2"/>
+          <p:cNvSpPr txBox="1"/>
+          <p:nvPr/>
+        </p:nvSpPr>
+        <p:spPr>
+          <a:xfrm>
+            <a:off x="272717" y="5662861"/>
+            <a:ext cx="10122567" cy="461665"/>
+          </a:xfrm>
+          <a:prstGeom prst="rect">
+            <a:avLst/>
+          </a:prstGeom>
+          <a:noFill/>
+        </p:spPr>
+        <p:txBody>
+          <a:bodyPr wrap="square" rtlCol="0">
+            <a:spAutoFit/>
+          </a:bodyPr>
+          <a:lstStyle/>
+          <a:p>
+            <a:r>
+              <a:rPr lang="en-US" sz="2400" dirty="0"/>
+              <a:t>SELECT * FROM </a:t>
+            </a:r>
+            <a:r>
+              <a:rPr lang="en-US" sz="2400" dirty="0" err="1"/>
+              <a:t>rental_fee_balance</a:t>
+            </a:r>
+            <a:r>
+              <a:rPr lang="en-US" sz="2400" dirty="0"/>
+              <a:t> ORDER BY </a:t>
+            </a:r>
+            <a:r>
+              <a:rPr lang="en-US" sz="2400" dirty="0" err="1"/>
+              <a:t>family_name</a:t>
+            </a:r>
+            <a:endParaRPr lang="en-US" sz="2400" dirty="0"/>
+          </a:p>
+        </p:txBody>
+      </p:sp>
+    </p:spTree>
+    <p:extLst>
+      <p:ext uri="{BB962C8B-B14F-4D97-AF65-F5344CB8AC3E}">
+        <p14:creationId xmlns:p14="http://schemas.microsoft.com/office/powerpoint/2010/main" val="2087909463"/>
+      </p:ext>
+    </p:extLst>
+  </p:cSld>
+  <p:clrMapOvr>
+    <a:masterClrMapping/>
+  </p:clrMapOvr>
+</p:sld>
+</file>
+
+<file path=ppt/slides/slide11.xml><?xml version="1.0" encoding="utf-8"?>
+<p:sld xmlns:a="http://schemas.openxmlformats.org/drawingml/2006/main" xmlns:r="http://schemas.openxmlformats.org/officeDocument/2006/relationships" xmlns:p="http://schemas.openxmlformats.org/presentationml/2006/main">
+  <p:cSld>
+    <p:spTree>
+      <p:nvGrpSpPr>
+        <p:cNvPr id="1" name=""/>
+        <p:cNvGrpSpPr/>
+        <p:nvPr/>
+      </p:nvGrpSpPr>
+      <p:grpSpPr>
+        <a:xfrm>
+          <a:off x="0" y="0"/>
+          <a:ext cx="0" cy="0"/>
+          <a:chOff x="0" y="0"/>
+          <a:chExt cx="0" cy="0"/>
+        </a:xfrm>
+      </p:grpSpPr>
+      <p:pic>
+        <p:nvPicPr>
+          <p:cNvPr id="4" name="Рисунок 3"/>
+          <p:cNvPicPr>
+            <a:picLocks noChangeAspect="1"/>
+          </p:cNvPicPr>
+          <p:nvPr/>
+        </p:nvPicPr>
+        <p:blipFill>
+          <a:blip r:embed="rId2"/>
+          <a:stretch>
+            <a:fillRect/>
+          </a:stretch>
+        </p:blipFill>
+        <p:spPr>
+          <a:xfrm>
+            <a:off x="170185" y="1219200"/>
+            <a:ext cx="5612356" cy="4041309"/>
+          </a:xfrm>
+          <a:prstGeom prst="rect">
+            <a:avLst/>
+          </a:prstGeom>
+        </p:spPr>
+      </p:pic>
+      <p:pic>
+        <p:nvPicPr>
+          <p:cNvPr id="5" name="Рисунок 4"/>
+          <p:cNvPicPr>
+            <a:picLocks noChangeAspect="1"/>
+          </p:cNvPicPr>
+          <p:nvPr/>
+        </p:nvPicPr>
+        <p:blipFill>
+          <a:blip r:embed="rId3"/>
+          <a:stretch>
+            <a:fillRect/>
+          </a:stretch>
+        </p:blipFill>
+        <p:spPr>
+          <a:xfrm>
+            <a:off x="3414976" y="5572166"/>
+            <a:ext cx="4219048" cy="666667"/>
+          </a:xfrm>
+          <a:prstGeom prst="rect">
+            <a:avLst/>
+          </a:prstGeom>
+        </p:spPr>
+      </p:pic>
+    </p:spTree>
+    <p:extLst>
+      <p:ext uri="{BB962C8B-B14F-4D97-AF65-F5344CB8AC3E}">
+        <p14:creationId xmlns:p14="http://schemas.microsoft.com/office/powerpoint/2010/main" val="3386874701"/>
+      </p:ext>
+    </p:extLst>
+  </p:cSld>
+  <p:clrMapOvr>
+    <a:masterClrMapping/>
+  </p:clrMapOvr>
+</p:sld>
+</file>
+
+<file path=ppt/slides/slide12.xml><?xml version="1.0" encoding="utf-8"?>
+<p:sld xmlns:a="http://schemas.openxmlformats.org/drawingml/2006/main" xmlns:r="http://schemas.openxmlformats.org/officeDocument/2006/relationships" xmlns:p="http://schemas.openxmlformats.org/presentationml/2006/main">
+  <p:cSld>
+    <p:spTree>
+      <p:nvGrpSpPr>
+        <p:cNvPr id="1" name=""/>
+        <p:cNvGrpSpPr/>
+        <p:nvPr/>
+      </p:nvGrpSpPr>
+      <p:grpSpPr>
+        <a:xfrm>
+          <a:off x="0" y="0"/>
+          <a:ext cx="0" cy="0"/>
+          <a:chOff x="0" y="0"/>
+          <a:chExt cx="0" cy="0"/>
+        </a:xfrm>
+      </p:grpSpPr>
+      <p:sp>
+        <p:nvSpPr>
+          <p:cNvPr id="2" name="TextBox 1"/>
+          <p:cNvSpPr txBox="1"/>
+          <p:nvPr/>
+        </p:nvSpPr>
+        <p:spPr>
+          <a:xfrm>
+            <a:off x="1074821" y="2919662"/>
+            <a:ext cx="10555706" cy="830997"/>
+          </a:xfrm>
+          <a:prstGeom prst="rect">
+            <a:avLst/>
+          </a:prstGeom>
+          <a:noFill/>
+        </p:spPr>
+        <p:txBody>
+          <a:bodyPr wrap="square" rtlCol="0">
+            <a:spAutoFit/>
+          </a:bodyPr>
+          <a:lstStyle/>
+          <a:p>
+            <a:r>
+              <a:rPr lang="en-US" sz="4800" dirty="0"/>
+              <a:t>Demonstration of the application </a:t>
+            </a:r>
+          </a:p>
+        </p:txBody>
+      </p:sp>
+    </p:spTree>
+    <p:extLst>
+      <p:ext uri="{BB962C8B-B14F-4D97-AF65-F5344CB8AC3E}">
+        <p14:creationId xmlns:p14="http://schemas.microsoft.com/office/powerpoint/2010/main" val="3149251637"/>
+      </p:ext>
+    </p:extLst>
+  </p:cSld>
+  <p:clrMapOvr>
+    <a:masterClrMapping/>
+  </p:clrMapOvr>
+</p:sld>
+</file>
+
 <file path=ppt/slides/slide2.xml><?xml version="1.0" encoding="utf-8"?>
 <p:sld xmlns:a="http://schemas.openxmlformats.org/drawingml/2006/main" xmlns:r="http://schemas.openxmlformats.org/officeDocument/2006/relationships" xmlns:p="http://schemas.openxmlformats.org/presentationml/2006/main">
   <p:cSld>
@@ -13918,7 +14160,7 @@
           <p:nvPr/>
         </p:nvPicPr>
         <p:blipFill>
-          <a:blip r:embed="rId2">
+          <a:blip r:embed="rId2" cstate="print">
             <a:extLst>
               <a:ext uri="{28A0092B-C50C-407E-A947-70E740481C1C}">
                 <a14:useLocalDpi xmlns:a14="http://schemas.microsoft.com/office/drawing/2010/main" val="0"/>
@@ -14397,8 +14639,8 @@
         </p:nvSpPr>
         <p:spPr>
           <a:xfrm>
-            <a:off x="224588" y="5608281"/>
-            <a:ext cx="9561095" cy="830997"/>
+            <a:off x="101600" y="5492644"/>
+            <a:ext cx="11582400" cy="461665"/>
           </a:xfrm>
           <a:prstGeom prst="rect">
             <a:avLst/>
@@ -14431,7 +14673,6 @@
               <a:rPr lang="en-US" sz="2400" dirty="0"/>
               <a:t> DESC</a:t>
             </a:r>
-            <a:endParaRPr lang="en-US" sz="2400" dirty="0"/>
           </a:p>
         </p:txBody>
       </p:sp>
@@ -14449,6 +14690,60 @@
 </file>
 
 <file path=ppt/slides/slide7.xml><?xml version="1.0" encoding="utf-8"?>
+<p:sld xmlns:a="http://schemas.openxmlformats.org/drawingml/2006/main" xmlns:r="http://schemas.openxmlformats.org/officeDocument/2006/relationships" xmlns:p="http://schemas.openxmlformats.org/presentationml/2006/main">
+  <p:cSld>
+    <p:spTree>
+      <p:nvGrpSpPr>
+        <p:cNvPr id="1" name=""/>
+        <p:cNvGrpSpPr/>
+        <p:nvPr/>
+      </p:nvGrpSpPr>
+      <p:grpSpPr>
+        <a:xfrm>
+          <a:off x="0" y="0"/>
+          <a:ext cx="0" cy="0"/>
+          <a:chOff x="0" y="0"/>
+          <a:chExt cx="0" cy="0"/>
+        </a:xfrm>
+      </p:grpSpPr>
+      <p:pic>
+        <p:nvPicPr>
+          <p:cNvPr id="3" name="Рисунок 2"/>
+          <p:cNvPicPr>
+            <a:picLocks noChangeAspect="1"/>
+          </p:cNvPicPr>
+          <p:nvPr/>
+        </p:nvPicPr>
+        <p:blipFill>
+          <a:blip r:embed="rId2"/>
+          <a:stretch>
+            <a:fillRect/>
+          </a:stretch>
+        </p:blipFill>
+        <p:spPr>
+          <a:xfrm>
+            <a:off x="406400" y="171766"/>
+            <a:ext cx="5664200" cy="6357288"/>
+          </a:xfrm>
+          <a:prstGeom prst="rect">
+            <a:avLst/>
+          </a:prstGeom>
+        </p:spPr>
+      </p:pic>
+    </p:spTree>
+    <p:extLst>
+      <p:ext uri="{BB962C8B-B14F-4D97-AF65-F5344CB8AC3E}">
+        <p14:creationId xmlns:p14="http://schemas.microsoft.com/office/powerpoint/2010/main" val="3217410821"/>
+      </p:ext>
+    </p:extLst>
+  </p:cSld>
+  <p:clrMapOvr>
+    <a:masterClrMapping/>
+  </p:clrMapOvr>
+</p:sld>
+</file>
+
+<file path=ppt/slides/slide8.xml><?xml version="1.0" encoding="utf-8"?>
 <p:sld xmlns:a="http://schemas.openxmlformats.org/drawingml/2006/main" xmlns:r="http://schemas.openxmlformats.org/officeDocument/2006/relationships" xmlns:p="http://schemas.openxmlformats.org/presentationml/2006/main">
   <p:cSld>
     <p:spTree>
@@ -14503,8 +14798,8 @@
         </p:nvSpPr>
         <p:spPr>
           <a:xfrm>
-            <a:off x="224588" y="5608281"/>
-            <a:ext cx="9561095" cy="830997"/>
+            <a:off x="0" y="5288340"/>
+            <a:ext cx="9525000" cy="830997"/>
           </a:xfrm>
           <a:prstGeom prst="rect">
             <a:avLst/>
@@ -14574,7 +14869,7 @@
 </p:sld>
 </file>
 
-<file path=ppt/slides/slide8.xml><?xml version="1.0" encoding="utf-8"?>
+<file path=ppt/slides/slide9.xml><?xml version="1.0" encoding="utf-8"?>
 <p:sld xmlns:a="http://schemas.openxmlformats.org/drawingml/2006/main" xmlns:r="http://schemas.openxmlformats.org/officeDocument/2006/relationships" xmlns:p="http://schemas.openxmlformats.org/presentationml/2006/main">
   <p:cSld>
     <p:spTree>
@@ -14593,20 +14888,38 @@
       </p:grpSpPr>
       <p:pic>
         <p:nvPicPr>
-          <p:cNvPr id="2" name="Рисунок 1"/>
+          <p:cNvPr id="4" name="Рисунок 3"/>
           <p:cNvPicPr>
             <a:picLocks noChangeAspect="1"/>
           </p:cNvPicPr>
           <p:nvPr/>
         </p:nvPicPr>
         <p:blipFill>
-          <a:blip r:embed="rId2">
-            <a:extLst>
-              <a:ext uri="{28A0092B-C50C-407E-A947-70E740481C1C}">
-                <a14:useLocalDpi xmlns:a14="http://schemas.microsoft.com/office/drawing/2010/main" val="0"/>
-              </a:ext>
-            </a:extLst>
-          </a:blip>
+          <a:blip r:embed="rId2"/>
+          <a:stretch>
+            <a:fillRect/>
+          </a:stretch>
+        </p:blipFill>
+        <p:spPr>
+          <a:xfrm>
+            <a:off x="4165157" y="1157143"/>
+            <a:ext cx="5923809" cy="5952381"/>
+          </a:xfrm>
+          <a:prstGeom prst="rect">
+            <a:avLst/>
+          </a:prstGeom>
+        </p:spPr>
+      </p:pic>
+      <p:pic>
+        <p:nvPicPr>
+          <p:cNvPr id="6" name="Рисунок 5"/>
+          <p:cNvPicPr>
+            <a:picLocks noChangeAspect="1"/>
+          </p:cNvPicPr>
+          <p:nvPr/>
+        </p:nvPicPr>
+        <p:blipFill>
+          <a:blip r:embed="rId3"/>
           <a:stretch>
             <a:fillRect/>
           </a:stretch>
@@ -14614,118 +14927,41 @@
         <p:spPr>
           <a:xfrm>
             <a:off x="0" y="0"/>
-            <a:ext cx="9272336" cy="5379210"/>
+            <a:ext cx="3542857" cy="2314286"/>
           </a:xfrm>
           <a:prstGeom prst="rect">
             <a:avLst/>
           </a:prstGeom>
         </p:spPr>
       </p:pic>
-      <p:sp>
-        <p:nvSpPr>
-          <p:cNvPr id="3" name="TextBox 2"/>
-          <p:cNvSpPr txBox="1"/>
+      <p:pic>
+        <p:nvPicPr>
+          <p:cNvPr id="7" name="Рисунок 6"/>
+          <p:cNvPicPr>
+            <a:picLocks noChangeAspect="1"/>
+          </p:cNvPicPr>
           <p:nvPr/>
-        </p:nvSpPr>
+        </p:nvPicPr>
+        <p:blipFill>
+          <a:blip r:embed="rId4"/>
+          <a:stretch>
+            <a:fillRect/>
+          </a:stretch>
+        </p:blipFill>
         <p:spPr>
           <a:xfrm>
-            <a:off x="272717" y="5662861"/>
-            <a:ext cx="10122567" cy="461665"/>
+            <a:off x="0" y="4533990"/>
+            <a:ext cx="3961905" cy="1447619"/>
           </a:xfrm>
           <a:prstGeom prst="rect">
             <a:avLst/>
           </a:prstGeom>
-          <a:noFill/>
         </p:spPr>
-        <p:txBody>
-          <a:bodyPr wrap="square" rtlCol="0">
-            <a:spAutoFit/>
-          </a:bodyPr>
-          <a:lstStyle/>
-          <a:p>
-            <a:r>
-              <a:rPr lang="en-US" sz="2400" dirty="0"/>
-              <a:t>SELECT * FROM </a:t>
-            </a:r>
-            <a:r>
-              <a:rPr lang="en-US" sz="2400" dirty="0" err="1"/>
-              <a:t>rental_fee_balance</a:t>
-            </a:r>
-            <a:r>
-              <a:rPr lang="en-US" sz="2400" dirty="0"/>
-              <a:t> ORDER BY </a:t>
-            </a:r>
-            <a:r>
-              <a:rPr lang="en-US" sz="2400" dirty="0" err="1"/>
-              <a:t>family_name</a:t>
-            </a:r>
-            <a:endParaRPr lang="en-US" sz="2400" dirty="0"/>
-          </a:p>
-        </p:txBody>
-      </p:sp>
+      </p:pic>
     </p:spTree>
     <p:extLst>
       <p:ext uri="{BB962C8B-B14F-4D97-AF65-F5344CB8AC3E}">
-        <p14:creationId xmlns:p14="http://schemas.microsoft.com/office/powerpoint/2010/main" val="2087909463"/>
-      </p:ext>
-    </p:extLst>
-  </p:cSld>
-  <p:clrMapOvr>
-    <a:masterClrMapping/>
-  </p:clrMapOvr>
-</p:sld>
-</file>
-
-<file path=ppt/slides/slide9.xml><?xml version="1.0" encoding="utf-8"?>
-<p:sld xmlns:a="http://schemas.openxmlformats.org/drawingml/2006/main" xmlns:r="http://schemas.openxmlformats.org/officeDocument/2006/relationships" xmlns:p="http://schemas.openxmlformats.org/presentationml/2006/main">
-  <p:cSld>
-    <p:spTree>
-      <p:nvGrpSpPr>
-        <p:cNvPr id="1" name=""/>
-        <p:cNvGrpSpPr/>
-        <p:nvPr/>
-      </p:nvGrpSpPr>
-      <p:grpSpPr>
-        <a:xfrm>
-          <a:off x="0" y="0"/>
-          <a:ext cx="0" cy="0"/>
-          <a:chOff x="0" y="0"/>
-          <a:chExt cx="0" cy="0"/>
-        </a:xfrm>
-      </p:grpSpPr>
-      <p:sp>
-        <p:nvSpPr>
-          <p:cNvPr id="2" name="TextBox 1"/>
-          <p:cNvSpPr txBox="1"/>
-          <p:nvPr/>
-        </p:nvSpPr>
-        <p:spPr>
-          <a:xfrm>
-            <a:off x="1074821" y="2919662"/>
-            <a:ext cx="10555706" cy="830997"/>
-          </a:xfrm>
-          <a:prstGeom prst="rect">
-            <a:avLst/>
-          </a:prstGeom>
-          <a:noFill/>
-        </p:spPr>
-        <p:txBody>
-          <a:bodyPr wrap="square" rtlCol="0">
-            <a:spAutoFit/>
-          </a:bodyPr>
-          <a:lstStyle/>
-          <a:p>
-            <a:r>
-              <a:rPr lang="en-US" sz="4800" dirty="0"/>
-              <a:t>Demonstration of the application </a:t>
-            </a:r>
-          </a:p>
-        </p:txBody>
-      </p:sp>
-    </p:spTree>
-    <p:extLst>
-      <p:ext uri="{BB962C8B-B14F-4D97-AF65-F5344CB8AC3E}">
-        <p14:creationId xmlns:p14="http://schemas.microsoft.com/office/powerpoint/2010/main" val="3149251637"/>
+        <p14:creationId xmlns:p14="http://schemas.microsoft.com/office/powerpoint/2010/main" val="759834510"/>
       </p:ext>
     </p:extLst>
   </p:cSld>

--- a/DMD presentation _final.pptx
+++ b/DMD presentation _final.pptx
@@ -15,8 +15,7 @@
     <p:sldId id="269" r:id="rId9"/>
     <p:sldId id="272" r:id="rId10"/>
     <p:sldId id="267" r:id="rId11"/>
-    <p:sldId id="273" r:id="rId12"/>
-    <p:sldId id="270" r:id="rId13"/>
+    <p:sldId id="270" r:id="rId12"/>
   </p:sldIdLst>
   <p:sldSz cx="12192000" cy="6858000"/>
   <p:notesSz cx="6858000" cy="9144000"/>
@@ -469,7 +468,7 @@
           <a:p>
             <a:fld id="{49951D39-9B41-425D-99B2-F4BA82CBAE0D}" type="datetimeFigureOut">
               <a:rPr lang="ru-RU" smtClean="0"/>
-              <a:t>23.11.2016</a:t>
+              <a:t>30.11.2016</a:t>
             </a:fld>
             <a:endParaRPr lang="ru-RU"/>
           </a:p>
@@ -1557,7 +1556,7 @@
           <a:p>
             <a:fld id="{49951D39-9B41-425D-99B2-F4BA82CBAE0D}" type="datetimeFigureOut">
               <a:rPr lang="ru-RU" smtClean="0"/>
-              <a:t>23.11.2016</a:t>
+              <a:t>30.11.2016</a:t>
             </a:fld>
             <a:endParaRPr lang="ru-RU"/>
           </a:p>
@@ -2537,7 +2536,7 @@
           <a:p>
             <a:fld id="{49951D39-9B41-425D-99B2-F4BA82CBAE0D}" type="datetimeFigureOut">
               <a:rPr lang="ru-RU" smtClean="0"/>
-              <a:t>23.11.2016</a:t>
+              <a:t>30.11.2016</a:t>
             </a:fld>
             <a:endParaRPr lang="ru-RU"/>
           </a:p>
@@ -3671,7 +3670,7 @@
           <a:p>
             <a:fld id="{49951D39-9B41-425D-99B2-F4BA82CBAE0D}" type="datetimeFigureOut">
               <a:rPr lang="ru-RU" smtClean="0"/>
-              <a:t>23.11.2016</a:t>
+              <a:t>30.11.2016</a:t>
             </a:fld>
             <a:endParaRPr lang="ru-RU"/>
           </a:p>
@@ -4704,7 +4703,7 @@
           <a:p>
             <a:fld id="{49951D39-9B41-425D-99B2-F4BA82CBAE0D}" type="datetimeFigureOut">
               <a:rPr lang="ru-RU" smtClean="0"/>
-              <a:t>23.11.2016</a:t>
+              <a:t>30.11.2016</a:t>
             </a:fld>
             <a:endParaRPr lang="ru-RU"/>
           </a:p>
@@ -5364,7 +5363,7 @@
           <a:p>
             <a:fld id="{49951D39-9B41-425D-99B2-F4BA82CBAE0D}" type="datetimeFigureOut">
               <a:rPr lang="ru-RU" smtClean="0"/>
-              <a:t>23.11.2016</a:t>
+              <a:t>30.11.2016</a:t>
             </a:fld>
             <a:endParaRPr lang="ru-RU"/>
           </a:p>
@@ -6225,7 +6224,7 @@
           <a:p>
             <a:fld id="{49951D39-9B41-425D-99B2-F4BA82CBAE0D}" type="datetimeFigureOut">
               <a:rPr lang="ru-RU" smtClean="0"/>
-              <a:t>23.11.2016</a:t>
+              <a:t>30.11.2016</a:t>
             </a:fld>
             <a:endParaRPr lang="ru-RU"/>
           </a:p>
@@ -6415,7 +6414,7 @@
           <a:p>
             <a:fld id="{49951D39-9B41-425D-99B2-F4BA82CBAE0D}" type="datetimeFigureOut">
               <a:rPr lang="ru-RU" smtClean="0"/>
-              <a:t>23.11.2016</a:t>
+              <a:t>30.11.2016</a:t>
             </a:fld>
             <a:endParaRPr lang="ru-RU"/>
           </a:p>
@@ -7387,7 +7386,7 @@
           <a:p>
             <a:fld id="{49951D39-9B41-425D-99B2-F4BA82CBAE0D}" type="datetimeFigureOut">
               <a:rPr lang="ru-RU" smtClean="0"/>
-              <a:t>23.11.2016</a:t>
+              <a:t>30.11.2016</a:t>
             </a:fld>
             <a:endParaRPr lang="ru-RU"/>
           </a:p>
@@ -7598,7 +7597,7 @@
           <a:p>
             <a:fld id="{49951D39-9B41-425D-99B2-F4BA82CBAE0D}" type="datetimeFigureOut">
               <a:rPr lang="ru-RU" smtClean="0"/>
-              <a:t>23.11.2016</a:t>
+              <a:t>30.11.2016</a:t>
             </a:fld>
             <a:endParaRPr lang="ru-RU"/>
           </a:p>
@@ -8632,7 +8631,7 @@
           <a:p>
             <a:fld id="{49951D39-9B41-425D-99B2-F4BA82CBAE0D}" type="datetimeFigureOut">
               <a:rPr lang="ru-RU" smtClean="0"/>
-              <a:t>23.11.2016</a:t>
+              <a:t>30.11.2016</a:t>
             </a:fld>
             <a:endParaRPr lang="ru-RU"/>
           </a:p>
@@ -8904,7 +8903,7 @@
           <a:p>
             <a:fld id="{49951D39-9B41-425D-99B2-F4BA82CBAE0D}" type="datetimeFigureOut">
               <a:rPr lang="ru-RU" smtClean="0"/>
-              <a:t>23.11.2016</a:t>
+              <a:t>30.11.2016</a:t>
             </a:fld>
             <a:endParaRPr lang="ru-RU"/>
           </a:p>
@@ -9314,7 +9313,7 @@
           <a:p>
             <a:fld id="{49951D39-9B41-425D-99B2-F4BA82CBAE0D}" type="datetimeFigureOut">
               <a:rPr lang="ru-RU" smtClean="0"/>
-              <a:t>23.11.2016</a:t>
+              <a:t>30.11.2016</a:t>
             </a:fld>
             <a:endParaRPr lang="ru-RU"/>
           </a:p>
@@ -9441,7 +9440,7 @@
           <a:p>
             <a:fld id="{49951D39-9B41-425D-99B2-F4BA82CBAE0D}" type="datetimeFigureOut">
               <a:rPr lang="ru-RU" smtClean="0"/>
-              <a:t>23.11.2016</a:t>
+              <a:t>30.11.2016</a:t>
             </a:fld>
             <a:endParaRPr lang="ru-RU"/>
           </a:p>
@@ -9536,7 +9535,7 @@
           <a:p>
             <a:fld id="{49951D39-9B41-425D-99B2-F4BA82CBAE0D}" type="datetimeFigureOut">
               <a:rPr lang="ru-RU" smtClean="0"/>
-              <a:t>23.11.2016</a:t>
+              <a:t>30.11.2016</a:t>
             </a:fld>
             <a:endParaRPr lang="ru-RU"/>
           </a:p>
@@ -10617,7 +10616,7 @@
           <a:p>
             <a:fld id="{49951D39-9B41-425D-99B2-F4BA82CBAE0D}" type="datetimeFigureOut">
               <a:rPr lang="ru-RU" smtClean="0"/>
-              <a:t>23.11.2016</a:t>
+              <a:t>30.11.2016</a:t>
             </a:fld>
             <a:endParaRPr lang="ru-RU"/>
           </a:p>
@@ -11725,7 +11724,7 @@
           <a:p>
             <a:fld id="{49951D39-9B41-425D-99B2-F4BA82CBAE0D}" type="datetimeFigureOut">
               <a:rPr lang="ru-RU" smtClean="0"/>
-              <a:t>23.11.2016</a:t>
+              <a:t>30.11.2016</a:t>
             </a:fld>
             <a:endParaRPr lang="ru-RU"/>
           </a:p>
@@ -12722,7 +12721,7 @@
           <a:p>
             <a:fld id="{49951D39-9B41-425D-99B2-F4BA82CBAE0D}" type="datetimeFigureOut">
               <a:rPr lang="ru-RU" smtClean="0"/>
-              <a:t>23.11.2016</a:t>
+              <a:t>30.11.2016</a:t>
             </a:fld>
             <a:endParaRPr lang="ru-RU"/>
           </a:p>
@@ -13791,84 +13790,6 @@
           <a:chExt cx="0" cy="0"/>
         </a:xfrm>
       </p:grpSpPr>
-      <p:pic>
-        <p:nvPicPr>
-          <p:cNvPr id="4" name="Рисунок 3"/>
-          <p:cNvPicPr>
-            <a:picLocks noChangeAspect="1"/>
-          </p:cNvPicPr>
-          <p:nvPr/>
-        </p:nvPicPr>
-        <p:blipFill>
-          <a:blip r:embed="rId2"/>
-          <a:stretch>
-            <a:fillRect/>
-          </a:stretch>
-        </p:blipFill>
-        <p:spPr>
-          <a:xfrm>
-            <a:off x="170185" y="1219200"/>
-            <a:ext cx="5612356" cy="4041309"/>
-          </a:xfrm>
-          <a:prstGeom prst="rect">
-            <a:avLst/>
-          </a:prstGeom>
-        </p:spPr>
-      </p:pic>
-      <p:pic>
-        <p:nvPicPr>
-          <p:cNvPr id="5" name="Рисунок 4"/>
-          <p:cNvPicPr>
-            <a:picLocks noChangeAspect="1"/>
-          </p:cNvPicPr>
-          <p:nvPr/>
-        </p:nvPicPr>
-        <p:blipFill>
-          <a:blip r:embed="rId3"/>
-          <a:stretch>
-            <a:fillRect/>
-          </a:stretch>
-        </p:blipFill>
-        <p:spPr>
-          <a:xfrm>
-            <a:off x="3414976" y="5572166"/>
-            <a:ext cx="4219048" cy="666667"/>
-          </a:xfrm>
-          <a:prstGeom prst="rect">
-            <a:avLst/>
-          </a:prstGeom>
-        </p:spPr>
-      </p:pic>
-    </p:spTree>
-    <p:extLst>
-      <p:ext uri="{BB962C8B-B14F-4D97-AF65-F5344CB8AC3E}">
-        <p14:creationId xmlns:p14="http://schemas.microsoft.com/office/powerpoint/2010/main" val="3386874701"/>
-      </p:ext>
-    </p:extLst>
-  </p:cSld>
-  <p:clrMapOvr>
-    <a:masterClrMapping/>
-  </p:clrMapOvr>
-</p:sld>
-</file>
-
-<file path=ppt/slides/slide12.xml><?xml version="1.0" encoding="utf-8"?>
-<p:sld xmlns:a="http://schemas.openxmlformats.org/drawingml/2006/main" xmlns:r="http://schemas.openxmlformats.org/officeDocument/2006/relationships" xmlns:p="http://schemas.openxmlformats.org/presentationml/2006/main">
-  <p:cSld>
-    <p:spTree>
-      <p:nvGrpSpPr>
-        <p:cNvPr id="1" name=""/>
-        <p:cNvGrpSpPr/>
-        <p:nvPr/>
-      </p:nvGrpSpPr>
-      <p:grpSpPr>
-        <a:xfrm>
-          <a:off x="0" y="0"/>
-          <a:ext cx="0" cy="0"/>
-          <a:chOff x="0" y="0"/>
-          <a:chExt cx="0" cy="0"/>
-        </a:xfrm>
-      </p:grpSpPr>
       <p:sp>
         <p:nvSpPr>
           <p:cNvPr id="2" name="TextBox 1"/>
@@ -14153,14 +14074,14 @@
       </p:grpSpPr>
       <p:pic>
         <p:nvPicPr>
-          <p:cNvPr id="2" name="Рисунок 1"/>
+          <p:cNvPr id="3" name="Рисунок 2"/>
           <p:cNvPicPr>
             <a:picLocks noChangeAspect="1"/>
           </p:cNvPicPr>
           <p:nvPr/>
         </p:nvPicPr>
         <p:blipFill>
-          <a:blip r:embed="rId2" cstate="print">
+          <a:blip r:embed="rId2">
             <a:extLst>
               <a:ext uri="{28A0092B-C50C-407E-A947-70E740481C1C}">
                 <a14:useLocalDpi xmlns:a14="http://schemas.microsoft.com/office/drawing/2010/main" val="0"/>
@@ -14173,8 +14094,8 @@
         </p:blipFill>
         <p:spPr>
           <a:xfrm>
-            <a:off x="375547" y="0"/>
-            <a:ext cx="11440906" cy="6858000"/>
+            <a:off x="0" y="0"/>
+            <a:ext cx="12192000" cy="6858000"/>
           </a:xfrm>
           <a:prstGeom prst="rect">
             <a:avLst/>
@@ -14902,7 +14823,7 @@
         </p:blipFill>
         <p:spPr>
           <a:xfrm>
-            <a:off x="4165157" y="1157143"/>
+            <a:off x="4113398" y="674063"/>
             <a:ext cx="5923809" cy="5952381"/>
           </a:xfrm>
           <a:prstGeom prst="rect">
